--- a/class_documents/presentations/iteration_2_presentation.pptx
+++ b/class_documents/presentations/iteration_2_presentation.pptx
@@ -345,7 +345,7 @@
             <a:fld id="{B61BEF0D-F0BB-DE4B-95CE-6DB70DBA9567}" type="datetimeFigureOut">
               <a:rPr lang="en-US"/>
               <a:pPr/>
-              <a:t>3/31/2015</a:t>
+              <a:t>4/1/2015</a:t>
             </a:fld>
             <a:endParaRPr lang="en-US" dirty="0"/>
           </a:p>
@@ -666,7 +666,7 @@
             <a:fld id="{B61BEF0D-F0BB-DE4B-95CE-6DB70DBA9567}" type="datetimeFigureOut">
               <a:rPr lang="en-US"/>
               <a:pPr/>
-              <a:t>3/31/2015</a:t>
+              <a:t>4/1/2015</a:t>
             </a:fld>
             <a:endParaRPr lang="en-US" dirty="0"/>
           </a:p>
@@ -911,7 +911,7 @@
             <a:fld id="{B61BEF0D-F0BB-DE4B-95CE-6DB70DBA9567}" type="datetimeFigureOut">
               <a:rPr lang="en-US"/>
               <a:pPr/>
-              <a:t>3/31/2015</a:t>
+              <a:t>4/1/2015</a:t>
             </a:fld>
             <a:endParaRPr lang="en-US" dirty="0"/>
           </a:p>
@@ -1247,7 +1247,7 @@
             <a:fld id="{B61BEF0D-F0BB-DE4B-95CE-6DB70DBA9567}" type="datetimeFigureOut">
               <a:rPr lang="en-US"/>
               <a:pPr/>
-              <a:t>3/31/2015</a:t>
+              <a:t>4/1/2015</a:t>
             </a:fld>
             <a:endParaRPr lang="en-US" dirty="0"/>
           </a:p>
@@ -1591,7 +1591,7 @@
             <a:fld id="{B61BEF0D-F0BB-DE4B-95CE-6DB70DBA9567}" type="datetimeFigureOut">
               <a:rPr lang="en-US"/>
               <a:pPr/>
-              <a:t>3/31/2015</a:t>
+              <a:t>4/1/2015</a:t>
             </a:fld>
             <a:endParaRPr lang="en-US" dirty="0"/>
           </a:p>
@@ -1962,7 +1962,7 @@
             <a:fld id="{B61BEF0D-F0BB-DE4B-95CE-6DB70DBA9567}" type="datetimeFigureOut">
               <a:rPr lang="en-US"/>
               <a:pPr/>
-              <a:t>3/31/2015</a:t>
+              <a:t>4/1/2015</a:t>
             </a:fld>
             <a:endParaRPr lang="en-US" dirty="0"/>
           </a:p>
@@ -2429,7 +2429,7 @@
             <a:fld id="{B61BEF0D-F0BB-DE4B-95CE-6DB70DBA9567}" type="datetimeFigureOut">
               <a:rPr lang="en-US"/>
               <a:pPr/>
-              <a:t>3/31/2015</a:t>
+              <a:t>4/1/2015</a:t>
             </a:fld>
             <a:endParaRPr lang="en-US" dirty="0"/>
           </a:p>
@@ -2631,7 +2631,7 @@
             <a:fld id="{B61BEF0D-F0BB-DE4B-95CE-6DB70DBA9567}" type="datetimeFigureOut">
               <a:rPr lang="en-US"/>
               <a:pPr/>
-              <a:t>3/31/2015</a:t>
+              <a:t>4/1/2015</a:t>
             </a:fld>
             <a:endParaRPr lang="en-US" dirty="0"/>
           </a:p>
@@ -2839,7 +2839,7 @@
             <a:fld id="{B61BEF0D-F0BB-DE4B-95CE-6DB70DBA9567}" type="datetimeFigureOut">
               <a:rPr lang="en-US"/>
               <a:pPr/>
-              <a:t>3/31/2015</a:t>
+              <a:t>4/1/2015</a:t>
             </a:fld>
             <a:endParaRPr lang="en-US" dirty="0"/>
           </a:p>
@@ -3066,7 +3066,7 @@
           <a:p>
             <a:fld id="{05BFA754-D5C3-4E66-96A6-867B257F58DC}" type="datetimeFigureOut">
               <a:rPr lang="en-US"/>
-              <a:t>3/31/2015</a:t>
+              <a:t>4/1/2015</a:t>
             </a:fld>
             <a:endParaRPr lang="en-US" dirty="0"/>
           </a:p>
@@ -3310,7 +3310,7 @@
             <a:fld id="{B61BEF0D-F0BB-DE4B-95CE-6DB70DBA9567}" type="datetimeFigureOut">
               <a:rPr lang="en-US"/>
               <a:pPr/>
-              <a:t>3/31/2015</a:t>
+              <a:t>4/1/2015</a:t>
             </a:fld>
             <a:endParaRPr lang="en-US" dirty="0"/>
           </a:p>
@@ -3604,7 +3604,7 @@
           <a:p>
             <a:fld id="{05BFA754-D5C3-4E66-96A6-867B257F58DC}" type="datetimeFigureOut">
               <a:rPr lang="en-US"/>
-              <a:t>3/31/2015</a:t>
+              <a:t>4/1/2015</a:t>
             </a:fld>
             <a:endParaRPr lang="en-US" dirty="0"/>
           </a:p>
@@ -3982,7 +3982,7 @@
             <a:fld id="{B61BEF0D-F0BB-DE4B-95CE-6DB70DBA9567}" type="datetimeFigureOut">
               <a:rPr lang="en-US"/>
               <a:pPr/>
-              <a:t>3/31/2015</a:t>
+              <a:t>4/1/2015</a:t>
             </a:fld>
             <a:endParaRPr lang="en-US" dirty="0"/>
           </a:p>
@@ -4128,7 +4128,7 @@
             <a:fld id="{B61BEF0D-F0BB-DE4B-95CE-6DB70DBA9567}" type="datetimeFigureOut">
               <a:rPr lang="en-US"/>
               <a:pPr/>
-              <a:t>3/31/2015</a:t>
+              <a:t>4/1/2015</a:t>
             </a:fld>
             <a:endParaRPr lang="en-US" dirty="0"/>
           </a:p>
@@ -4251,7 +4251,7 @@
             <a:fld id="{B61BEF0D-F0BB-DE4B-95CE-6DB70DBA9567}" type="datetimeFigureOut">
               <a:rPr lang="en-US"/>
               <a:pPr/>
-              <a:t>3/31/2015</a:t>
+              <a:t>4/1/2015</a:t>
             </a:fld>
             <a:endParaRPr lang="en-US" dirty="0"/>
           </a:p>
@@ -4503,7 +4503,7 @@
             <a:fld id="{B61BEF0D-F0BB-DE4B-95CE-6DB70DBA9567}" type="datetimeFigureOut">
               <a:rPr lang="en-US"/>
               <a:pPr/>
-              <a:t>3/31/2015</a:t>
+              <a:t>4/1/2015</a:t>
             </a:fld>
             <a:endParaRPr lang="en-US" dirty="0"/>
           </a:p>
@@ -4815,7 +4815,7 @@
             <a:fld id="{B61BEF0D-F0BB-DE4B-95CE-6DB70DBA9567}" type="datetimeFigureOut">
               <a:rPr lang="en-US"/>
               <a:pPr/>
-              <a:t>3/31/2015</a:t>
+              <a:t>4/1/2015</a:t>
             </a:fld>
             <a:endParaRPr lang="en-US" dirty="0"/>
           </a:p>
@@ -5056,7 +5056,7 @@
             <a:fld id="{B61BEF0D-F0BB-DE4B-95CE-6DB70DBA9567}" type="datetimeFigureOut">
               <a:rPr lang="en-US"/>
               <a:pPr/>
-              <a:t>3/31/2015</a:t>
+              <a:t>4/1/2015</a:t>
             </a:fld>
             <a:endParaRPr lang="en-US" dirty="0"/>
           </a:p>
@@ -5734,7 +5734,6 @@
               <a:rPr lang="en-US" dirty="0" smtClean="0"/>
               <a:t>Requirement Analysis</a:t>
             </a:r>
-            <a:endParaRPr lang="en-US" dirty="0" smtClean="0"/>
           </a:p>
           <a:p>
             <a:r>
@@ -5747,14 +5746,12 @@
               <a:rPr lang="en-US" dirty="0" smtClean="0"/>
               <a:t>Architecture</a:t>
             </a:r>
-            <a:endParaRPr lang="en-US" dirty="0" smtClean="0"/>
           </a:p>
           <a:p>
             <a:r>
               <a:rPr lang="en-US" dirty="0" smtClean="0"/>
               <a:t>Implementation</a:t>
             </a:r>
-            <a:endParaRPr lang="en-US" dirty="0" smtClean="0"/>
           </a:p>
           <a:p>
             <a:r>
@@ -6528,15 +6525,29 @@
             <a:pPr lvl="1"/>
             <a:r>
               <a:rPr lang="en-US" dirty="0" smtClean="0"/>
-              <a:t>Feature/Functionality Expansion was focused on stability of the platform and deployment</a:t>
-            </a:r>
+              <a:t>Existing Feature/Functionality </a:t>
+            </a:r>
+            <a:r>
+              <a:rPr lang="en-US" dirty="0" smtClean="0"/>
+              <a:t>Expansion was focused on stability of the platform and </a:t>
+            </a:r>
+            <a:r>
+              <a:rPr lang="en-US" dirty="0" smtClean="0"/>
+              <a:t>deployment</a:t>
+            </a:r>
+            <a:endParaRPr lang="en-US" dirty="0" smtClean="0"/>
           </a:p>
           <a:p>
             <a:pPr lvl="1"/>
             <a:r>
               <a:rPr lang="en-US" dirty="0" smtClean="0"/>
-              <a:t>More team members feel comfortable with the platform, we expect, an acceleration in the completion of user stories for the next iteration</a:t>
-            </a:r>
+              <a:t>More team members feel comfortable with the platform, we expect, </a:t>
+            </a:r>
+            <a:r>
+              <a:rPr lang="en-US" dirty="0" smtClean="0"/>
+              <a:t>to complete all user stories by the next iteration</a:t>
+            </a:r>
+            <a:endParaRPr lang="en-US" dirty="0" smtClean="0"/>
           </a:p>
           <a:p>
             <a:r>
@@ -6554,16 +6565,12 @@
           <a:p>
             <a:pPr lvl="1"/>
             <a:r>
+              <a:rPr lang="en-US" smtClean="0"/>
+              <a:t>Cross-team </a:t>
+            </a:r>
+            <a:r>
               <a:rPr lang="en-US" dirty="0" smtClean="0"/>
-              <a:t>Cross component objects (projects, </a:t>
-            </a:r>
-            <a:r>
-              <a:rPr lang="en-US" smtClean="0"/>
-              <a:t>user authentication) </a:t>
-            </a:r>
-            <a:r>
-              <a:rPr lang="en-US" dirty="0" smtClean="0"/>
-              <a:t>– will be included in the integration</a:t>
+              <a:t>component objects (projects, user authentication) – will be included in the integration</a:t>
             </a:r>
           </a:p>
           <a:p>

--- a/class_documents/presentations/iteration_2_presentation.pptx
+++ b/class_documents/presentations/iteration_2_presentation.pptx
@@ -6529,79 +6529,79 @@
             </a:r>
             <a:r>
               <a:rPr lang="en-US" dirty="0" smtClean="0"/>
-              <a:t>Expansion was focused on stability of the platform and </a:t>
-            </a:r>
-            <a:r>
-              <a:rPr lang="en-US" dirty="0" smtClean="0"/>
-              <a:t>deployment</a:t>
+              <a:t>Expansion, team </a:t>
+            </a:r>
+            <a:r>
+              <a:rPr lang="en-US" dirty="0" smtClean="0"/>
+              <a:t>was focused on stability of the platform and deployment</a:t>
+            </a:r>
+          </a:p>
+          <a:p>
+            <a:pPr lvl="1"/>
+            <a:r>
+              <a:rPr lang="en-US" dirty="0" smtClean="0"/>
+              <a:t>More team members feel comfortable with the platform, we expect, to complete all user stories by the next iteration</a:t>
+            </a:r>
+          </a:p>
+          <a:p>
+            <a:r>
+              <a:rPr lang="en-US" dirty="0" smtClean="0"/>
+              <a:t>Issues</a:t>
+            </a:r>
+          </a:p>
+          <a:p>
+            <a:pPr lvl="1"/>
+            <a:r>
+              <a:rPr lang="en-US" dirty="0" smtClean="0"/>
+              <a:t>Django capability of all team members and completion risk – progressing</a:t>
+            </a:r>
+          </a:p>
+          <a:p>
+            <a:pPr lvl="1"/>
+            <a:r>
+              <a:rPr lang="en-US" dirty="0" smtClean="0"/>
+              <a:t>Cross-team component objects (projects, user authentication) – will be included in the </a:t>
+            </a:r>
+            <a:r>
+              <a:rPr lang="en-US" dirty="0" smtClean="0"/>
+              <a:t>integration phase</a:t>
             </a:r>
             <a:endParaRPr lang="en-US" dirty="0" smtClean="0"/>
           </a:p>
           <a:p>
+            <a:r>
+              <a:rPr lang="en-US" dirty="0" smtClean="0"/>
+              <a:t>What’s Next?</a:t>
+            </a:r>
+          </a:p>
+          <a:p>
             <a:pPr lvl="1"/>
             <a:r>
               <a:rPr lang="en-US" dirty="0" smtClean="0"/>
-              <a:t>More team members feel comfortable with the platform, we expect, </a:t>
-            </a:r>
-            <a:r>
-              <a:rPr lang="en-US" dirty="0" smtClean="0"/>
-              <a:t>to complete all user stories by the next iteration</a:t>
-            </a:r>
-            <a:endParaRPr lang="en-US" dirty="0" smtClean="0"/>
-          </a:p>
-          <a:p>
-            <a:r>
-              <a:rPr lang="en-US" dirty="0" smtClean="0"/>
-              <a:t>Issues</a:t>
+              <a:t>Integration of code base across the 3 groups underway and preparation for a full platform deployment</a:t>
             </a:r>
           </a:p>
           <a:p>
             <a:pPr lvl="1"/>
             <a:r>
               <a:rPr lang="en-US" dirty="0" smtClean="0"/>
-              <a:t>Django capability of all team members and completion risk – progressing</a:t>
+              <a:t>Completion of all user stories</a:t>
             </a:r>
           </a:p>
           <a:p>
             <a:pPr lvl="1"/>
             <a:r>
-              <a:rPr lang="en-US" smtClean="0"/>
-              <a:t>Cross-team </a:t>
-            </a:r>
-            <a:r>
-              <a:rPr lang="en-US" dirty="0" smtClean="0"/>
-              <a:t>component objects (projects, user authentication) – will be included in the integration</a:t>
-            </a:r>
-          </a:p>
-          <a:p>
-            <a:r>
-              <a:rPr lang="en-US" dirty="0" smtClean="0"/>
-              <a:t>What’s Next?</a:t>
-            </a:r>
-          </a:p>
-          <a:p>
-            <a:pPr lvl="1"/>
-            <a:r>
-              <a:rPr lang="en-US" dirty="0" smtClean="0"/>
-              <a:t>Integration of code base across the 3 groups underway and preparation for a full platform deployment</a:t>
-            </a:r>
-          </a:p>
-          <a:p>
-            <a:pPr lvl="1"/>
-            <a:r>
-              <a:rPr lang="en-US" dirty="0" smtClean="0"/>
-              <a:t>Completion of all user stories</a:t>
-            </a:r>
-          </a:p>
-          <a:p>
-            <a:pPr lvl="1"/>
-            <a:r>
-              <a:rPr lang="en-US" dirty="0" smtClean="0"/>
-              <a:t>Unit testing</a:t>
-            </a:r>
-          </a:p>
-          <a:p>
-            <a:pPr lvl="1"/>
+              <a:rPr lang="en-US" dirty="0" smtClean="0"/>
+              <a:t>Additional Test Coverage</a:t>
+            </a:r>
+            <a:r>
+              <a:rPr lang="en-US" dirty="0"/>
+              <a:t> </a:t>
+            </a:r>
+            <a:r>
+              <a:rPr lang="en-US" dirty="0" smtClean="0"/>
+              <a:t>(FTs, Unit Tests, Code Coverage)</a:t>
+            </a:r>
             <a:endParaRPr lang="en-US" dirty="0" smtClean="0"/>
           </a:p>
           <a:p>

--- a/class_documents/presentations/iteration_2_presentation.pptx
+++ b/class_documents/presentations/iteration_2_presentation.pptx
@@ -6225,6 +6225,36 @@
           </a:p>
         </p:txBody>
       </p:sp>
+      <p:sp>
+        <p:nvSpPr>
+          <p:cNvPr id="5" name="TextBox 4"/>
+          <p:cNvSpPr txBox="1"/>
+          <p:nvPr/>
+        </p:nvSpPr>
+        <p:spPr>
+          <a:xfrm>
+            <a:off x="5461959" y="1916667"/>
+            <a:ext cx="1268082" cy="369332"/>
+          </a:xfrm>
+          <a:prstGeom prst="rect">
+            <a:avLst/>
+          </a:prstGeom>
+          <a:noFill/>
+        </p:spPr>
+        <p:txBody>
+          <a:bodyPr wrap="square" rtlCol="0">
+            <a:spAutoFit/>
+          </a:bodyPr>
+          <a:lstStyle/>
+          <a:p>
+            <a:r>
+              <a:rPr lang="en-US" dirty="0" smtClean="0"/>
+              <a:t>3-layer</a:t>
+            </a:r>
+            <a:endParaRPr lang="en-US" dirty="0"/>
+          </a:p>
+        </p:txBody>
+      </p:sp>
     </p:spTree>
     <p:extLst>
       <p:ext uri="{BB962C8B-B14F-4D97-AF65-F5344CB8AC3E}">
@@ -6509,10 +6539,15 @@
             <p:ph idx="1"/>
           </p:nvPr>
         </p:nvSpPr>
-        <p:spPr/>
+        <p:spPr>
+          <a:xfrm>
+            <a:off x="1295401" y="2556931"/>
+            <a:ext cx="9601196" cy="3619279"/>
+          </a:xfrm>
+        </p:spPr>
         <p:txBody>
           <a:bodyPr>
-            <a:normAutofit fontScale="70000" lnSpcReduction="20000"/>
+            <a:normAutofit fontScale="77500" lnSpcReduction="20000"/>
           </a:bodyPr>
           <a:lstStyle/>
           <a:p>
@@ -6525,15 +6560,7 @@
             <a:pPr lvl="1"/>
             <a:r>
               <a:rPr lang="en-US" dirty="0" smtClean="0"/>
-              <a:t>Existing Feature/Functionality </a:t>
-            </a:r>
-            <a:r>
-              <a:rPr lang="en-US" dirty="0" smtClean="0"/>
-              <a:t>Expansion, team </a:t>
-            </a:r>
-            <a:r>
-              <a:rPr lang="en-US" dirty="0" smtClean="0"/>
-              <a:t>was focused on stability of the platform and deployment</a:t>
+              <a:t>Existing Feature/Functionality Expansion, team was focused on stability of the platform and deployment</a:t>
             </a:r>
           </a:p>
           <a:p>
@@ -6560,13 +6587,8 @@
             <a:pPr lvl="1"/>
             <a:r>
               <a:rPr lang="en-US" dirty="0" smtClean="0"/>
-              <a:t>Cross-team component objects (projects, user authentication) – will be included in the </a:t>
-            </a:r>
-            <a:r>
-              <a:rPr lang="en-US" dirty="0" smtClean="0"/>
-              <a:t>integration phase</a:t>
-            </a:r>
-            <a:endParaRPr lang="en-US" dirty="0" smtClean="0"/>
+              <a:t>Cross-team component objects (projects, user authentication) – will be included in the integration phase</a:t>
+            </a:r>
           </a:p>
           <a:p>
             <a:r>
@@ -6602,7 +6624,6 @@
               <a:rPr lang="en-US" dirty="0" smtClean="0"/>
               <a:t>(FTs, Unit Tests, Code Coverage)</a:t>
             </a:r>
-            <a:endParaRPr lang="en-US" dirty="0" smtClean="0"/>
           </a:p>
           <a:p>
             <a:endParaRPr lang="en-US" dirty="0"/>
